--- a/Final Project/remote contorl robot.pptx
+++ b/Final Project/remote contorl robot.pptx
@@ -14738,6 +14738,35 @@
           </a:p>
         </p:txBody>
       </p:sp>
+      <p:pic>
+        <p:nvPicPr>
+          <p:cNvPr id="8" name="Picture 7">
+            <a:extLst>
+              <a:ext uri="{FF2B5EF4-FFF2-40B4-BE49-F238E27FC236}">
+                <a16:creationId xmlns:a16="http://schemas.microsoft.com/office/drawing/2014/main" id="{576CD89F-2652-5690-D26D-C899A5CA832E}"/>
+              </a:ext>
+            </a:extLst>
+          </p:cNvPr>
+          <p:cNvPicPr>
+            <a:picLocks noChangeAspect="1"/>
+          </p:cNvPicPr>
+          <p:nvPr/>
+        </p:nvPicPr>
+        <p:blipFill rotWithShape="1">
+          <a:blip r:embed="rId3"/>
+          <a:srcRect t="5166" b="2549"/>
+          <a:stretch/>
+        </p:blipFill>
+        <p:spPr>
+          <a:xfrm rot="16200000">
+            <a:off x="6451530" y="3990904"/>
+            <a:ext cx="648638" cy="578642"/>
+          </a:xfrm>
+          <a:prstGeom prst="rect">
+            <a:avLst/>
+          </a:prstGeom>
+        </p:spPr>
+      </p:pic>
     </p:spTree>
     <p:extLst>
       <p:ext uri="{BB962C8B-B14F-4D97-AF65-F5344CB8AC3E}">
@@ -16589,6 +16618,15 @@
 </file>
 
 <file path=customXml/item1.xml><?xml version="1.0" encoding="utf-8"?>
+<?mso-contentType ?>
+<FormTemplates xmlns="http://schemas.microsoft.com/sharepoint/v3/contenttype/forms">
+  <Display>DocumentLibraryForm</Display>
+  <Edit>DocumentLibraryForm</Edit>
+  <New>DocumentLibraryForm</New>
+</FormTemplates>
+</file>
+
+<file path=customXml/item2.xml><?xml version="1.0" encoding="utf-8"?>
 <p:properties xmlns:p="http://schemas.microsoft.com/office/2006/metadata/properties" xmlns:xsi="http://www.w3.org/2001/XMLSchema-instance" xmlns:pc="http://schemas.microsoft.com/office/infopath/2007/PartnerControls">
   <documentManagement>
     <_ip_UnifiedCompliancePolicyUIAction xmlns="http://schemas.microsoft.com/sharepoint/v3" xsi:nil="true"/>
@@ -16605,15 +16643,6 @@
     <MediaServiceKeyPoints xmlns="71af3243-3dd4-4a8d-8c0d-dd76da1f02a5" xsi:nil="true"/>
   </documentManagement>
 </p:properties>
-</file>
-
-<file path=customXml/item2.xml><?xml version="1.0" encoding="utf-8"?>
-<?mso-contentType ?>
-<FormTemplates xmlns="http://schemas.microsoft.com/sharepoint/v3/contenttype/forms">
-  <Display>DocumentLibraryForm</Display>
-  <Edit>DocumentLibraryForm</Edit>
-  <New>DocumentLibraryForm</New>
-</FormTemplates>
 </file>
 
 <file path=customXml/item3.xml><?xml version="1.0" encoding="utf-8"?>
@@ -16893,6 +16922,14 @@
 </file>
 
 <file path=customXml/itemProps1.xml><?xml version="1.0" encoding="utf-8"?>
+<ds:datastoreItem xmlns:ds="http://schemas.openxmlformats.org/officeDocument/2006/customXml" ds:itemID="{904751AB-E840-446F-8D49-E697067EC887}">
+  <ds:schemaRefs>
+    <ds:schemaRef ds:uri="http://schemas.microsoft.com/sharepoint/v3/contenttype/forms"/>
+  </ds:schemaRefs>
+</ds:datastoreItem>
+</file>
+
+<file path=customXml/itemProps2.xml><?xml version="1.0" encoding="utf-8"?>
 <ds:datastoreItem xmlns:ds="http://schemas.openxmlformats.org/officeDocument/2006/customXml" ds:itemID="{50811A92-D464-4AC4-A396-BA73B10CEEAC}">
   <ds:schemaRefs>
     <ds:schemaRef ds:uri="http://schemas.microsoft.com/office/2006/metadata/properties"/>
@@ -16900,14 +16937,6 @@
     <ds:schemaRef ds:uri="http://schemas.microsoft.com/sharepoint/v3"/>
     <ds:schemaRef ds:uri="71af3243-3dd4-4a8d-8c0d-dd76da1f02a5"/>
     <ds:schemaRef ds:uri="230e9df3-be65-4c73-a93b-d1236ebd677e"/>
-  </ds:schemaRefs>
-</ds:datastoreItem>
-</file>
-
-<file path=customXml/itemProps2.xml><?xml version="1.0" encoding="utf-8"?>
-<ds:datastoreItem xmlns:ds="http://schemas.openxmlformats.org/officeDocument/2006/customXml" ds:itemID="{904751AB-E840-446F-8D49-E697067EC887}">
-  <ds:schemaRefs>
-    <ds:schemaRef ds:uri="http://schemas.microsoft.com/sharepoint/v3/contenttype/forms"/>
   </ds:schemaRefs>
 </ds:datastoreItem>
 </file>

--- a/Final Project/remote contorl robot.pptx
+++ b/Final Project/remote contorl robot.pptx
@@ -5,18 +5,19 @@
     <p:sldMasterId id="2147483684" r:id="rId4"/>
   </p:sldMasterIdLst>
   <p:notesMasterIdLst>
-    <p:notesMasterId r:id="rId11"/>
+    <p:notesMasterId r:id="rId12"/>
   </p:notesMasterIdLst>
   <p:handoutMasterIdLst>
-    <p:handoutMasterId r:id="rId12"/>
+    <p:handoutMasterId r:id="rId13"/>
   </p:handoutMasterIdLst>
   <p:sldIdLst>
     <p:sldId id="257" r:id="rId5"/>
     <p:sldId id="384" r:id="rId6"/>
     <p:sldId id="277" r:id="rId7"/>
     <p:sldId id="392" r:id="rId8"/>
-    <p:sldId id="272" r:id="rId9"/>
-    <p:sldId id="391" r:id="rId10"/>
+    <p:sldId id="393" r:id="rId9"/>
+    <p:sldId id="272" r:id="rId10"/>
+    <p:sldId id="391" r:id="rId11"/>
   </p:sldIdLst>
   <p:sldSz cx="12192000" cy="6858000"/>
   <p:notesSz cx="6858000" cy="9144000"/>
@@ -428,7 +429,7 @@
           <a:p>
             <a:fld id="{C17F2C1D-F243-42AB-ADF2-E7CB4E04900E}" type="datetimeFigureOut">
               <a:rPr lang="en-US" smtClean="0"/>
-              <a:t>6/15/2023</a:t>
+              <a:t>6/19/2023</a:t>
             </a:fld>
             <a:endParaRPr lang="en-US"/>
           </a:p>
@@ -605,7 +606,7 @@
           <a:p>
             <a:fld id="{020CE34E-5667-4A32-A6BA-10C7A552BC63}" type="datetimeFigureOut">
               <a:rPr lang="en-US" smtClean="0"/>
-              <a:t>6/15/2023</a:t>
+              <a:t>6/19/2023</a:t>
             </a:fld>
             <a:endParaRPr lang="en-US"/>
           </a:p>
@@ -1105,7 +1106,7 @@
           <a:p>
             <a:fld id="{32DC0559-D619-4E56-BF6F-3712370C2150}" type="slidenum">
               <a:rPr lang="en-US" smtClean="0"/>
-              <a:t>5</a:t>
+              <a:t>6</a:t>
             </a:fld>
             <a:endParaRPr lang="en-US"/>
           </a:p>
@@ -15201,10 +15202,10 @@
       </p:grpSpPr>
       <p:sp>
         <p:nvSpPr>
-          <p:cNvPr id="3" name="Title 2">
-            <a:extLst>
-              <a:ext uri="{FF2B5EF4-FFF2-40B4-BE49-F238E27FC236}">
-                <a16:creationId xmlns:a16="http://schemas.microsoft.com/office/drawing/2014/main" id="{FAD72D26-24EF-4CBD-9431-A558CB7CA906}"/>
+          <p:cNvPr id="7" name="Title 6">
+            <a:extLst>
+              <a:ext uri="{FF2B5EF4-FFF2-40B4-BE49-F238E27FC236}">
+                <a16:creationId xmlns:a16="http://schemas.microsoft.com/office/drawing/2014/main" id="{3E174092-82D3-44E0-8948-4096232ED0A7}"/>
               </a:ext>
             </a:extLst>
           </p:cNvPr>
@@ -15226,25 +15227,28 @@
           <a:lstStyle/>
           <a:p>
             <a:r>
-              <a:rPr lang="en-NZ" dirty="0">
-                <a:solidFill>
-                  <a:schemeClr val="tx1">
-                    <a:lumMod val="50000"/>
-                  </a:schemeClr>
-                </a:solidFill>
+              <a:rPr lang="en-NZ" b="0" i="0" dirty="0">
+                <a:effectLst/>
+                <a:latin typeface="Montserrat" panose="020B0604020202020204" pitchFamily="2" charset="0"/>
               </a:rPr>
-              <a:t>References</a:t>
-            </a:r>
+              <a:t>Issues</a:t>
+            </a:r>
+            <a:br>
+              <a:rPr lang="en-NZ" b="0" i="0" dirty="0">
+                <a:effectLst/>
+                <a:latin typeface="Montserrat" panose="020B0604020202020204" pitchFamily="2" charset="0"/>
+              </a:rPr>
+            </a:br>
             <a:endParaRPr lang="en-US" dirty="0"/>
           </a:p>
         </p:txBody>
       </p:sp>
       <p:sp>
         <p:nvSpPr>
-          <p:cNvPr id="2" name="Date Placeholder 1">
-            <a:extLst>
-              <a:ext uri="{FF2B5EF4-FFF2-40B4-BE49-F238E27FC236}">
-                <a16:creationId xmlns:a16="http://schemas.microsoft.com/office/drawing/2014/main" id="{81FCAF0A-629F-4EC6-B3E6-563ED999F360}"/>
+          <p:cNvPr id="4" name="Date Placeholder 3">
+            <a:extLst>
+              <a:ext uri="{FF2B5EF4-FFF2-40B4-BE49-F238E27FC236}">
+                <a16:creationId xmlns:a16="http://schemas.microsoft.com/office/drawing/2014/main" id="{E39EF484-38C8-4EDC-ACF5-695CFB216839}"/>
               </a:ext>
             </a:extLst>
           </p:cNvPr>
@@ -15274,10 +15278,10 @@
       </p:sp>
       <p:sp>
         <p:nvSpPr>
-          <p:cNvPr id="7" name="Footer Placeholder 6">
-            <a:extLst>
-              <a:ext uri="{FF2B5EF4-FFF2-40B4-BE49-F238E27FC236}">
-                <a16:creationId xmlns:a16="http://schemas.microsoft.com/office/drawing/2014/main" id="{920A7C57-D6C5-4BA0-AB3C-41D4E3436B0E}"/>
+          <p:cNvPr id="5" name="Footer Placeholder 4">
+            <a:extLst>
+              <a:ext uri="{FF2B5EF4-FFF2-40B4-BE49-F238E27FC236}">
+                <a16:creationId xmlns:a16="http://schemas.microsoft.com/office/drawing/2014/main" id="{AFD183D7-B16E-4A9D-BC4B-D1EC347BF97E}"/>
               </a:ext>
             </a:extLst>
           </p:cNvPr>
@@ -15318,7 +15322,7 @@
           <p:cNvPr id="6" name="Slide Number Placeholder 5">
             <a:extLst>
               <a:ext uri="{FF2B5EF4-FFF2-40B4-BE49-F238E27FC236}">
-                <a16:creationId xmlns:a16="http://schemas.microsoft.com/office/drawing/2014/main" id="{5E5CAC52-3FD1-464A-805A-B8F7AF04574A}"/>
+                <a16:creationId xmlns:a16="http://schemas.microsoft.com/office/drawing/2014/main" id="{705C33DF-36C9-49E9-B48D-A320B179C4D4}"/>
               </a:ext>
             </a:extLst>
           </p:cNvPr>
@@ -15343,6 +15347,339 @@
               <a:rPr lang="en-US" smtClean="0"/>
               <a:pPr/>
               <a:t>5</a:t>
+            </a:fld>
+            <a:endParaRPr lang="en-US"/>
+          </a:p>
+        </p:txBody>
+      </p:sp>
+      <p:sp>
+        <p:nvSpPr>
+          <p:cNvPr id="3" name="TextBox 2">
+            <a:extLst>
+              <a:ext uri="{FF2B5EF4-FFF2-40B4-BE49-F238E27FC236}">
+                <a16:creationId xmlns:a16="http://schemas.microsoft.com/office/drawing/2014/main" id="{8E378F54-6256-FDA7-2823-06939A92C84A}"/>
+              </a:ext>
+            </a:extLst>
+          </p:cNvPr>
+          <p:cNvSpPr txBox="1"/>
+          <p:nvPr/>
+        </p:nvSpPr>
+        <p:spPr>
+          <a:xfrm>
+            <a:off x="538426" y="1588534"/>
+            <a:ext cx="6094602" cy="678134"/>
+          </a:xfrm>
+          <a:prstGeom prst="rect">
+            <a:avLst/>
+          </a:prstGeom>
+          <a:noFill/>
+        </p:spPr>
+        <p:txBody>
+          <a:bodyPr wrap="square">
+            <a:spAutoFit/>
+          </a:bodyPr>
+          <a:lstStyle/>
+          <a:p>
+            <a:pPr marL="742950" lvl="1" indent="-285750">
+              <a:lnSpc>
+                <a:spcPct val="110000"/>
+              </a:lnSpc>
+              <a:buFont typeface="+mj-lt"/>
+              <a:buAutoNum type="alphaLcPeriod"/>
+            </a:pPr>
+            <a:r>
+              <a:rPr lang="en-NZ" sz="1800" dirty="0">
+                <a:effectLst/>
+                <a:latin typeface="Arial" panose="020B0604020202020204" pitchFamily="34" charset="0"/>
+                <a:ea typeface="Calibri" panose="020F0502020204030204" pitchFamily="34" charset="0"/>
+                <a:cs typeface="Arial" panose="020B0604020202020204" pitchFamily="34" charset="0"/>
+              </a:rPr>
+              <a:t>My </a:t>
+            </a:r>
+            <a:r>
+              <a:rPr lang="en-NZ" sz="1800" b="1" dirty="0">
+                <a:effectLst/>
+                <a:latin typeface="Arial" panose="020B0604020202020204" pitchFamily="34" charset="0"/>
+                <a:ea typeface="Calibri" panose="020F0502020204030204" pitchFamily="34" charset="0"/>
+                <a:cs typeface="Arial" panose="020B0604020202020204" pitchFamily="34" charset="0"/>
+              </a:rPr>
+              <a:t>potential problems, scope, other issues</a:t>
+            </a:r>
+            <a:r>
+              <a:rPr lang="en-NZ" sz="1800" dirty="0">
+                <a:effectLst/>
+                <a:latin typeface="Arial" panose="020B0604020202020204" pitchFamily="34" charset="0"/>
+                <a:ea typeface="Calibri" panose="020F0502020204030204" pitchFamily="34" charset="0"/>
+                <a:cs typeface="Arial" panose="020B0604020202020204" pitchFamily="34" charset="0"/>
+              </a:rPr>
+              <a:t> and how this informed the build of your project</a:t>
+            </a:r>
+          </a:p>
+        </p:txBody>
+      </p:sp>
+      <p:pic>
+        <p:nvPicPr>
+          <p:cNvPr id="10" name="Picture 9">
+            <a:extLst>
+              <a:ext uri="{FF2B5EF4-FFF2-40B4-BE49-F238E27FC236}">
+                <a16:creationId xmlns:a16="http://schemas.microsoft.com/office/drawing/2014/main" id="{93CD5300-394F-5B54-2CD5-2F71D131591F}"/>
+              </a:ext>
+            </a:extLst>
+          </p:cNvPr>
+          <p:cNvPicPr>
+            <a:picLocks noChangeAspect="1"/>
+          </p:cNvPicPr>
+          <p:nvPr/>
+        </p:nvPicPr>
+        <p:blipFill rotWithShape="1">
+          <a:blip r:embed="rId2"/>
+          <a:srcRect l="1684"/>
+          <a:stretch/>
+        </p:blipFill>
+        <p:spPr>
+          <a:xfrm>
+            <a:off x="7486650" y="0"/>
+            <a:ext cx="4705350" cy="6858000"/>
+          </a:xfrm>
+          <a:prstGeom prst="rect">
+            <a:avLst/>
+          </a:prstGeom>
+        </p:spPr>
+      </p:pic>
+      <p:pic>
+        <p:nvPicPr>
+          <p:cNvPr id="13" name="Picture 12">
+            <a:extLst>
+              <a:ext uri="{FF2B5EF4-FFF2-40B4-BE49-F238E27FC236}">
+                <a16:creationId xmlns:a16="http://schemas.microsoft.com/office/drawing/2014/main" id="{A40719B2-36E5-1E67-0D6A-4C7C2E20DED4}"/>
+              </a:ext>
+            </a:extLst>
+          </p:cNvPr>
+          <p:cNvPicPr>
+            <a:picLocks noChangeAspect="1"/>
+          </p:cNvPicPr>
+          <p:nvPr/>
+        </p:nvPicPr>
+        <p:blipFill>
+          <a:blip r:embed="rId3"/>
+          <a:stretch>
+            <a:fillRect/>
+          </a:stretch>
+        </p:blipFill>
+        <p:spPr>
+          <a:xfrm>
+            <a:off x="1294935" y="2901615"/>
+            <a:ext cx="5220429" cy="1505160"/>
+          </a:xfrm>
+          <a:prstGeom prst="rect">
+            <a:avLst/>
+          </a:prstGeom>
+        </p:spPr>
+      </p:pic>
+      <p:pic>
+        <p:nvPicPr>
+          <p:cNvPr id="15" name="Picture 14">
+            <a:extLst>
+              <a:ext uri="{FF2B5EF4-FFF2-40B4-BE49-F238E27FC236}">
+                <a16:creationId xmlns:a16="http://schemas.microsoft.com/office/drawing/2014/main" id="{B3BA74CA-4701-0FC4-CEDF-C218C23EC6B6}"/>
+              </a:ext>
+            </a:extLst>
+          </p:cNvPr>
+          <p:cNvPicPr>
+            <a:picLocks noChangeAspect="1"/>
+          </p:cNvPicPr>
+          <p:nvPr/>
+        </p:nvPicPr>
+        <p:blipFill>
+          <a:blip r:embed="rId4"/>
+          <a:stretch>
+            <a:fillRect/>
+          </a:stretch>
+        </p:blipFill>
+        <p:spPr>
+          <a:xfrm>
+            <a:off x="2725620" y="4763873"/>
+            <a:ext cx="2055930" cy="1544852"/>
+          </a:xfrm>
+          <a:prstGeom prst="rect">
+            <a:avLst/>
+          </a:prstGeom>
+        </p:spPr>
+      </p:pic>
+    </p:spTree>
+    <p:extLst>
+      <p:ext uri="{BB962C8B-B14F-4D97-AF65-F5344CB8AC3E}">
+        <p14:creationId xmlns:p14="http://schemas.microsoft.com/office/powerpoint/2010/main" val="1643865007"/>
+      </p:ext>
+    </p:extLst>
+  </p:cSld>
+  <p:clrMapOvr>
+    <a:masterClrMapping/>
+  </p:clrMapOvr>
+</p:sld>
+</file>
+
+<file path=ppt/slides/slide6.xml><?xml version="1.0" encoding="utf-8"?>
+<p:sld xmlns:a="http://schemas.openxmlformats.org/drawingml/2006/main" xmlns:r="http://schemas.openxmlformats.org/officeDocument/2006/relationships" xmlns:p="http://schemas.openxmlformats.org/presentationml/2006/main">
+  <p:cSld>
+    <p:spTree>
+      <p:nvGrpSpPr>
+        <p:cNvPr id="1" name=""/>
+        <p:cNvGrpSpPr/>
+        <p:nvPr/>
+      </p:nvGrpSpPr>
+      <p:grpSpPr>
+        <a:xfrm>
+          <a:off x="0" y="0"/>
+          <a:ext cx="0" cy="0"/>
+          <a:chOff x="0" y="0"/>
+          <a:chExt cx="0" cy="0"/>
+        </a:xfrm>
+      </p:grpSpPr>
+      <p:sp>
+        <p:nvSpPr>
+          <p:cNvPr id="3" name="Title 2">
+            <a:extLst>
+              <a:ext uri="{FF2B5EF4-FFF2-40B4-BE49-F238E27FC236}">
+                <a16:creationId xmlns:a16="http://schemas.microsoft.com/office/drawing/2014/main" id="{FAD72D26-24EF-4CBD-9431-A558CB7CA906}"/>
+              </a:ext>
+            </a:extLst>
+          </p:cNvPr>
+          <p:cNvSpPr>
+            <a:spLocks noGrp="1"/>
+          </p:cNvSpPr>
+          <p:nvPr>
+            <p:ph type="title"/>
+          </p:nvPr>
+        </p:nvSpPr>
+        <p:spPr>
+          <a:xfrm>
+            <a:off x="550862" y="549275"/>
+            <a:ext cx="11091600" cy="1332000"/>
+          </a:xfrm>
+        </p:spPr>
+        <p:txBody>
+          <a:bodyPr/>
+          <a:lstStyle/>
+          <a:p>
+            <a:r>
+              <a:rPr lang="en-NZ" dirty="0">
+                <a:solidFill>
+                  <a:schemeClr val="tx1">
+                    <a:lumMod val="50000"/>
+                  </a:schemeClr>
+                </a:solidFill>
+              </a:rPr>
+              <a:t>References</a:t>
+            </a:r>
+            <a:endParaRPr lang="en-US" dirty="0"/>
+          </a:p>
+        </p:txBody>
+      </p:sp>
+      <p:sp>
+        <p:nvSpPr>
+          <p:cNvPr id="2" name="Date Placeholder 1">
+            <a:extLst>
+              <a:ext uri="{FF2B5EF4-FFF2-40B4-BE49-F238E27FC236}">
+                <a16:creationId xmlns:a16="http://schemas.microsoft.com/office/drawing/2014/main" id="{81FCAF0A-629F-4EC6-B3E6-563ED999F360}"/>
+              </a:ext>
+            </a:extLst>
+          </p:cNvPr>
+          <p:cNvSpPr>
+            <a:spLocks noGrp="1"/>
+          </p:cNvSpPr>
+          <p:nvPr>
+            <p:ph type="dt" sz="half" idx="10"/>
+          </p:nvPr>
+        </p:nvSpPr>
+        <p:spPr>
+          <a:xfrm>
+            <a:off x="550863" y="6507212"/>
+            <a:ext cx="2628900" cy="153888"/>
+          </a:xfrm>
+        </p:spPr>
+        <p:txBody>
+          <a:bodyPr/>
+          <a:lstStyle/>
+          <a:p>
+            <a:r>
+              <a:rPr lang="en-US" dirty="0"/>
+              <a:t>April 2023</a:t>
+            </a:r>
+          </a:p>
+        </p:txBody>
+      </p:sp>
+      <p:sp>
+        <p:nvSpPr>
+          <p:cNvPr id="7" name="Footer Placeholder 6">
+            <a:extLst>
+              <a:ext uri="{FF2B5EF4-FFF2-40B4-BE49-F238E27FC236}">
+                <a16:creationId xmlns:a16="http://schemas.microsoft.com/office/drawing/2014/main" id="{920A7C57-D6C5-4BA0-AB3C-41D4E3436B0E}"/>
+              </a:ext>
+            </a:extLst>
+          </p:cNvPr>
+          <p:cNvSpPr>
+            <a:spLocks noGrp="1"/>
+          </p:cNvSpPr>
+          <p:nvPr>
+            <p:ph type="ftr" sz="quarter" idx="11"/>
+          </p:nvPr>
+        </p:nvSpPr>
+        <p:spPr>
+          <a:xfrm>
+            <a:off x="3359150" y="6507212"/>
+            <a:ext cx="6379210" cy="153888"/>
+          </a:xfrm>
+        </p:spPr>
+        <p:txBody>
+          <a:bodyPr/>
+          <a:lstStyle/>
+          <a:p>
+            <a:r>
+              <a:rPr lang="en-NZ" b="1" i="0" dirty="0">
+                <a:solidFill>
+                  <a:schemeClr val="tx1">
+                    <a:lumMod val="50000"/>
+                  </a:schemeClr>
+                </a:solidFill>
+                <a:effectLst/>
+                <a:latin typeface="Open Sans" panose="020B0604020202020204" pitchFamily="34" charset="0"/>
+              </a:rPr>
+              <a:t>ID620 Embedded Systems</a:t>
+            </a:r>
+          </a:p>
+        </p:txBody>
+      </p:sp>
+      <p:sp>
+        <p:nvSpPr>
+          <p:cNvPr id="6" name="Slide Number Placeholder 5">
+            <a:extLst>
+              <a:ext uri="{FF2B5EF4-FFF2-40B4-BE49-F238E27FC236}">
+                <a16:creationId xmlns:a16="http://schemas.microsoft.com/office/drawing/2014/main" id="{5E5CAC52-3FD1-464A-805A-B8F7AF04574A}"/>
+              </a:ext>
+            </a:extLst>
+          </p:cNvPr>
+          <p:cNvSpPr>
+            <a:spLocks noGrp="1"/>
+          </p:cNvSpPr>
+          <p:nvPr>
+            <p:ph type="sldNum" sz="quarter" idx="12"/>
+          </p:nvPr>
+        </p:nvSpPr>
+        <p:spPr>
+          <a:xfrm>
+            <a:off x="9948863" y="6507212"/>
+            <a:ext cx="1692274" cy="153888"/>
+          </a:xfrm>
+        </p:spPr>
+        <p:txBody>
+          <a:bodyPr/>
+          <a:lstStyle/>
+          <a:p>
+            <a:fld id="{DBA1B0FB-D917-4C8C-928F-313BD683BF39}" type="slidenum">
+              <a:rPr lang="en-US" smtClean="0"/>
+              <a:pPr/>
+              <a:t>6</a:t>
             </a:fld>
             <a:endParaRPr lang="en-US"/>
           </a:p>
@@ -15529,7 +15866,7 @@
 </p:sld>
 </file>
 
-<file path=ppt/slides/slide6.xml><?xml version="1.0" encoding="utf-8"?>
+<file path=ppt/slides/slide7.xml><?xml version="1.0" encoding="utf-8"?>
 <p:sld xmlns:a="http://schemas.openxmlformats.org/drawingml/2006/main" xmlns:r="http://schemas.openxmlformats.org/officeDocument/2006/relationships" xmlns:p="http://schemas.openxmlformats.org/presentationml/2006/main">
   <p:cSld>
     <p:spTree>
@@ -15807,7 +16144,7 @@
             <a:fld id="{DBA1B0FB-D917-4C8C-928F-313BD683BF39}" type="slidenum">
               <a:rPr lang="en-US" smtClean="0"/>
               <a:pPr/>
-              <a:t>6</a:t>
+              <a:t>7</a:t>
             </a:fld>
             <a:endParaRPr lang="en-US"/>
           </a:p>
@@ -16618,15 +16955,6 @@
 </file>
 
 <file path=customXml/item1.xml><?xml version="1.0" encoding="utf-8"?>
-<?mso-contentType ?>
-<FormTemplates xmlns="http://schemas.microsoft.com/sharepoint/v3/contenttype/forms">
-  <Display>DocumentLibraryForm</Display>
-  <Edit>DocumentLibraryForm</Edit>
-  <New>DocumentLibraryForm</New>
-</FormTemplates>
-</file>
-
-<file path=customXml/item2.xml><?xml version="1.0" encoding="utf-8"?>
 <p:properties xmlns:p="http://schemas.microsoft.com/office/2006/metadata/properties" xmlns:xsi="http://www.w3.org/2001/XMLSchema-instance" xmlns:pc="http://schemas.microsoft.com/office/infopath/2007/PartnerControls">
   <documentManagement>
     <_ip_UnifiedCompliancePolicyUIAction xmlns="http://schemas.microsoft.com/sharepoint/v3" xsi:nil="true"/>
@@ -16643,6 +16971,15 @@
     <MediaServiceKeyPoints xmlns="71af3243-3dd4-4a8d-8c0d-dd76da1f02a5" xsi:nil="true"/>
   </documentManagement>
 </p:properties>
+</file>
+
+<file path=customXml/item2.xml><?xml version="1.0" encoding="utf-8"?>
+<?mso-contentType ?>
+<FormTemplates xmlns="http://schemas.microsoft.com/sharepoint/v3/contenttype/forms">
+  <Display>DocumentLibraryForm</Display>
+  <Edit>DocumentLibraryForm</Edit>
+  <New>DocumentLibraryForm</New>
+</FormTemplates>
 </file>
 
 <file path=customXml/item3.xml><?xml version="1.0" encoding="utf-8"?>
@@ -16922,14 +17259,6 @@
 </file>
 
 <file path=customXml/itemProps1.xml><?xml version="1.0" encoding="utf-8"?>
-<ds:datastoreItem xmlns:ds="http://schemas.openxmlformats.org/officeDocument/2006/customXml" ds:itemID="{904751AB-E840-446F-8D49-E697067EC887}">
-  <ds:schemaRefs>
-    <ds:schemaRef ds:uri="http://schemas.microsoft.com/sharepoint/v3/contenttype/forms"/>
-  </ds:schemaRefs>
-</ds:datastoreItem>
-</file>
-
-<file path=customXml/itemProps2.xml><?xml version="1.0" encoding="utf-8"?>
 <ds:datastoreItem xmlns:ds="http://schemas.openxmlformats.org/officeDocument/2006/customXml" ds:itemID="{50811A92-D464-4AC4-A396-BA73B10CEEAC}">
   <ds:schemaRefs>
     <ds:schemaRef ds:uri="http://schemas.microsoft.com/office/2006/metadata/properties"/>
@@ -16937,6 +17266,14 @@
     <ds:schemaRef ds:uri="http://schemas.microsoft.com/sharepoint/v3"/>
     <ds:schemaRef ds:uri="71af3243-3dd4-4a8d-8c0d-dd76da1f02a5"/>
     <ds:schemaRef ds:uri="230e9df3-be65-4c73-a93b-d1236ebd677e"/>
+  </ds:schemaRefs>
+</ds:datastoreItem>
+</file>
+
+<file path=customXml/itemProps2.xml><?xml version="1.0" encoding="utf-8"?>
+<ds:datastoreItem xmlns:ds="http://schemas.openxmlformats.org/officeDocument/2006/customXml" ds:itemID="{904751AB-E840-446F-8D49-E697067EC887}">
+  <ds:schemaRefs>
+    <ds:schemaRef ds:uri="http://schemas.microsoft.com/sharepoint/v3/contenttype/forms"/>
   </ds:schemaRefs>
 </ds:datastoreItem>
 </file>

--- a/Final Project/remote contorl robot.pptx
+++ b/Final Project/remote contorl robot.pptx
@@ -15468,7 +15468,7 @@
         </p:blipFill>
         <p:spPr>
           <a:xfrm>
-            <a:off x="1294935" y="2901615"/>
+            <a:off x="311372" y="2844631"/>
             <a:ext cx="5220429" cy="1505160"/>
           </a:xfrm>
           <a:prstGeom prst="rect">
@@ -15490,16 +15490,45 @@
           </p:cNvPicPr>
           <p:nvPr/>
         </p:nvPicPr>
+        <p:blipFill rotWithShape="1">
+          <a:blip r:embed="rId4"/>
+          <a:srcRect r="12454"/>
+          <a:stretch/>
+        </p:blipFill>
+        <p:spPr>
+          <a:xfrm>
+            <a:off x="5609282" y="2824785"/>
+            <a:ext cx="1799887" cy="1544852"/>
+          </a:xfrm>
+          <a:prstGeom prst="rect">
+            <a:avLst/>
+          </a:prstGeom>
+        </p:spPr>
+      </p:pic>
+      <p:pic>
+        <p:nvPicPr>
+          <p:cNvPr id="8" name="Picture 7">
+            <a:extLst>
+              <a:ext uri="{FF2B5EF4-FFF2-40B4-BE49-F238E27FC236}">
+                <a16:creationId xmlns:a16="http://schemas.microsoft.com/office/drawing/2014/main" id="{D95A155E-71DF-2056-3013-BAFECCCB886C}"/>
+              </a:ext>
+            </a:extLst>
+          </p:cNvPr>
+          <p:cNvPicPr>
+            <a:picLocks noChangeAspect="1"/>
+          </p:cNvPicPr>
+          <p:nvPr/>
+        </p:nvPicPr>
         <p:blipFill>
-          <a:blip r:embed="rId4"/>
+          <a:blip r:embed="rId5"/>
           <a:stretch>
             <a:fillRect/>
           </a:stretch>
         </p:blipFill>
         <p:spPr>
           <a:xfrm>
-            <a:off x="2725620" y="4763873"/>
-            <a:ext cx="2055930" cy="1544852"/>
+            <a:off x="733823" y="4591333"/>
+            <a:ext cx="5250653" cy="1758031"/>
           </a:xfrm>
           <a:prstGeom prst="rect">
             <a:avLst/>
@@ -16955,6 +16984,15 @@
 </file>
 
 <file path=customXml/item1.xml><?xml version="1.0" encoding="utf-8"?>
+<?mso-contentType ?>
+<FormTemplates xmlns="http://schemas.microsoft.com/sharepoint/v3/contenttype/forms">
+  <Display>DocumentLibraryForm</Display>
+  <Edit>DocumentLibraryForm</Edit>
+  <New>DocumentLibraryForm</New>
+</FormTemplates>
+</file>
+
+<file path=customXml/item2.xml><?xml version="1.0" encoding="utf-8"?>
 <p:properties xmlns:p="http://schemas.microsoft.com/office/2006/metadata/properties" xmlns:xsi="http://www.w3.org/2001/XMLSchema-instance" xmlns:pc="http://schemas.microsoft.com/office/infopath/2007/PartnerControls">
   <documentManagement>
     <_ip_UnifiedCompliancePolicyUIAction xmlns="http://schemas.microsoft.com/sharepoint/v3" xsi:nil="true"/>
@@ -16971,15 +17009,6 @@
     <MediaServiceKeyPoints xmlns="71af3243-3dd4-4a8d-8c0d-dd76da1f02a5" xsi:nil="true"/>
   </documentManagement>
 </p:properties>
-</file>
-
-<file path=customXml/item2.xml><?xml version="1.0" encoding="utf-8"?>
-<?mso-contentType ?>
-<FormTemplates xmlns="http://schemas.microsoft.com/sharepoint/v3/contenttype/forms">
-  <Display>DocumentLibraryForm</Display>
-  <Edit>DocumentLibraryForm</Edit>
-  <New>DocumentLibraryForm</New>
-</FormTemplates>
 </file>
 
 <file path=customXml/item3.xml><?xml version="1.0" encoding="utf-8"?>
@@ -17259,6 +17288,14 @@
 </file>
 
 <file path=customXml/itemProps1.xml><?xml version="1.0" encoding="utf-8"?>
+<ds:datastoreItem xmlns:ds="http://schemas.openxmlformats.org/officeDocument/2006/customXml" ds:itemID="{904751AB-E840-446F-8D49-E697067EC887}">
+  <ds:schemaRefs>
+    <ds:schemaRef ds:uri="http://schemas.microsoft.com/sharepoint/v3/contenttype/forms"/>
+  </ds:schemaRefs>
+</ds:datastoreItem>
+</file>
+
+<file path=customXml/itemProps2.xml><?xml version="1.0" encoding="utf-8"?>
 <ds:datastoreItem xmlns:ds="http://schemas.openxmlformats.org/officeDocument/2006/customXml" ds:itemID="{50811A92-D464-4AC4-A396-BA73B10CEEAC}">
   <ds:schemaRefs>
     <ds:schemaRef ds:uri="http://schemas.microsoft.com/office/2006/metadata/properties"/>
@@ -17266,14 +17303,6 @@
     <ds:schemaRef ds:uri="http://schemas.microsoft.com/sharepoint/v3"/>
     <ds:schemaRef ds:uri="71af3243-3dd4-4a8d-8c0d-dd76da1f02a5"/>
     <ds:schemaRef ds:uri="230e9df3-be65-4c73-a93b-d1236ebd677e"/>
-  </ds:schemaRefs>
-</ds:datastoreItem>
-</file>
-
-<file path=customXml/itemProps2.xml><?xml version="1.0" encoding="utf-8"?>
-<ds:datastoreItem xmlns:ds="http://schemas.openxmlformats.org/officeDocument/2006/customXml" ds:itemID="{904751AB-E840-446F-8D49-E697067EC887}">
-  <ds:schemaRefs>
-    <ds:schemaRef ds:uri="http://schemas.microsoft.com/sharepoint/v3/contenttype/forms"/>
   </ds:schemaRefs>
 </ds:datastoreItem>
 </file>
